--- a/_PowerPoints/1st Semester/Unit 1 Linear Relations/Algebra3_Day_008 1.5 Solving Inequalities.pptx
+++ b/_PowerPoints/1st Semester/Unit 1 Linear Relations/Algebra3_Day_008 1.5 Solving Inequalities.pptx
@@ -290,7 +290,7 @@
             <a:fld id="{87DE6118-2437-4B30-8E3C-4D2BE6020583}" type="datetimeFigureOut">
               <a:rPr lang="en-US" dirty="0"/>
               <a:pPr/>
-              <a:t>9/10/2017</a:t>
+              <a:t>9/18/2018</a:t>
             </a:fld>
             <a:endParaRPr lang="en-US" dirty="0"/>
           </a:p>
@@ -616,7 +616,7 @@
           <a:p>
             <a:fld id="{87DE6118-2437-4B30-8E3C-4D2BE6020583}" type="datetimeFigureOut">
               <a:rPr lang="en-US" dirty="0"/>
-              <a:t>9/10/2017</a:t>
+              <a:t>9/18/2018</a:t>
             </a:fld>
             <a:endParaRPr lang="en-US" dirty="0"/>
           </a:p>
@@ -791,7 +791,7 @@
           <a:p>
             <a:fld id="{87DE6118-2437-4B30-8E3C-4D2BE6020583}" type="datetimeFigureOut">
               <a:rPr lang="en-US" dirty="0"/>
-              <a:t>9/10/2017</a:t>
+              <a:t>9/18/2018</a:t>
             </a:fld>
             <a:endParaRPr lang="en-US" dirty="0"/>
           </a:p>
@@ -956,7 +956,7 @@
           <a:p>
             <a:fld id="{87DE6118-2437-4B30-8E3C-4D2BE6020583}" type="datetimeFigureOut">
               <a:rPr lang="en-US" dirty="0"/>
-              <a:t>9/10/2017</a:t>
+              <a:t>9/18/2018</a:t>
             </a:fld>
             <a:endParaRPr lang="en-US" dirty="0"/>
           </a:p>
@@ -1229,7 +1229,7 @@
             <a:fld id="{87DE6118-2437-4B30-8E3C-4D2BE6020583}" type="datetimeFigureOut">
               <a:rPr lang="en-US" dirty="0"/>
               <a:pPr/>
-              <a:t>9/10/2017</a:t>
+              <a:t>9/18/2018</a:t>
             </a:fld>
             <a:endParaRPr lang="en-US" dirty="0"/>
           </a:p>
@@ -1619,7 +1619,7 @@
           <a:p>
             <a:fld id="{87DE6118-2437-4B30-8E3C-4D2BE6020583}" type="datetimeFigureOut">
               <a:rPr lang="en-US" dirty="0"/>
-              <a:t>9/10/2017</a:t>
+              <a:t>9/18/2018</a:t>
             </a:fld>
             <a:endParaRPr lang="en-US" dirty="0"/>
           </a:p>
@@ -2091,7 +2091,7 @@
           <a:p>
             <a:fld id="{87DE6118-2437-4B30-8E3C-4D2BE6020583}" type="datetimeFigureOut">
               <a:rPr lang="en-US" dirty="0"/>
-              <a:t>9/10/2017</a:t>
+              <a:t>9/18/2018</a:t>
             </a:fld>
             <a:endParaRPr lang="en-US" dirty="0"/>
           </a:p>
@@ -2204,7 +2204,7 @@
           <a:p>
             <a:fld id="{87DE6118-2437-4B30-8E3C-4D2BE6020583}" type="datetimeFigureOut">
               <a:rPr lang="en-US" dirty="0"/>
-              <a:t>9/10/2017</a:t>
+              <a:t>9/18/2018</a:t>
             </a:fld>
             <a:endParaRPr lang="en-US" dirty="0"/>
           </a:p>
@@ -2294,7 +2294,7 @@
           <a:p>
             <a:fld id="{87DE6118-2437-4B30-8E3C-4D2BE6020583}" type="datetimeFigureOut">
               <a:rPr lang="en-US" dirty="0"/>
-              <a:t>9/10/2017</a:t>
+              <a:t>9/18/2018</a:t>
             </a:fld>
             <a:endParaRPr lang="en-US" dirty="0"/>
           </a:p>
@@ -2636,7 +2636,7 @@
             <a:fld id="{87DE6118-2437-4B30-8E3C-4D2BE6020583}" type="datetimeFigureOut">
               <a:rPr lang="en-US" dirty="0"/>
               <a:pPr/>
-              <a:t>9/10/2017</a:t>
+              <a:t>9/18/2018</a:t>
             </a:fld>
             <a:endParaRPr lang="en-US" dirty="0"/>
           </a:p>
@@ -3021,7 +3021,7 @@
             <a:fld id="{87DE6118-2437-4B30-8E3C-4D2BE6020583}" type="datetimeFigureOut">
               <a:rPr lang="en-US" dirty="0"/>
               <a:pPr/>
-              <a:t>9/10/2017</a:t>
+              <a:t>9/18/2018</a:t>
             </a:fld>
             <a:endParaRPr lang="en-US" dirty="0"/>
           </a:p>
@@ -3296,7 +3296,7 @@
             <a:fld id="{87DE6118-2437-4B30-8E3C-4D2BE6020583}" type="datetimeFigureOut">
               <a:rPr lang="en-US" dirty="0"/>
               <a:pPr/>
-              <a:t>9/10/2017</a:t>
+              <a:t>9/18/2018</a:t>
             </a:fld>
             <a:endParaRPr lang="en-US" dirty="0"/>
           </a:p>
@@ -3852,7 +3852,7 @@
             <p:spPr>
               <a:xfrm>
                 <a:off x="1334264" y="1608119"/>
-                <a:ext cx="5474159" cy="2017219"/>
+                <a:ext cx="5474159" cy="2194447"/>
               </a:xfrm>
               <a:prstGeom prst="rect">
                 <a:avLst/>
@@ -3875,13 +3875,13 @@
               </a:p>
               <a:p>
                 <a:r>
-                  <a:rPr lang="en-US" sz="3000" dirty="0" smtClean="0"/>
+                  <a:rPr lang="en-US" sz="4000" dirty="0" smtClean="0"/>
                   <a:t>     </a:t>
                 </a:r>
                 <a14:m>
                   <m:oMath xmlns:m="http://schemas.openxmlformats.org/officeDocument/2006/math">
                     <m:r>
-                      <a:rPr lang="en-US" sz="3000" b="0" i="0" smtClean="0">
+                      <a:rPr lang="en-US" sz="4000" b="0" i="0" smtClean="0">
                         <a:latin typeface="Cambria Math" panose="02040503050406030204" pitchFamily="18" charset="0"/>
                       </a:rPr>
                       <m:t>20=</m:t>
@@ -3889,20 +3889,20 @@
                     <m:f>
                       <m:fPr>
                         <m:ctrlPr>
-                          <a:rPr lang="en-US" sz="3000" i="1" smtClean="0">
+                          <a:rPr lang="en-US" sz="4000" i="1" smtClean="0">
                             <a:latin typeface="Cambria Math" panose="02040503050406030204" pitchFamily="18" charset="0"/>
                           </a:rPr>
                         </m:ctrlPr>
                       </m:fPr>
                       <m:num>
                         <m:r>
-                          <a:rPr lang="en-US" sz="3000" b="0" i="1" smtClean="0">
+                          <a:rPr lang="en-US" sz="4000" b="0" i="1" smtClean="0">
                             <a:latin typeface="Cambria Math" panose="02040503050406030204" pitchFamily="18" charset="0"/>
                           </a:rPr>
                           <m:t>4</m:t>
                         </m:r>
                         <m:r>
-                          <a:rPr lang="en-US" sz="3000" b="0" i="1" smtClean="0">
+                          <a:rPr lang="en-US" sz="4000" b="0" i="1" smtClean="0">
                             <a:latin typeface="Cambria Math" panose="02040503050406030204" pitchFamily="18" charset="0"/>
                           </a:rPr>
                           <m:t>𝑥</m:t>
@@ -3910,7 +3910,7 @@
                       </m:num>
                       <m:den>
                         <m:r>
-                          <a:rPr lang="en-US" sz="3000" b="0" i="1" smtClean="0">
+                          <a:rPr lang="en-US" sz="4000" b="0" i="1" smtClean="0">
                             <a:latin typeface="Cambria Math" panose="02040503050406030204" pitchFamily="18" charset="0"/>
                           </a:rPr>
                           <m:t>3</m:t>
@@ -3918,14 +3918,14 @@
                       </m:den>
                     </m:f>
                     <m:r>
-                      <a:rPr lang="en-US" sz="3000" b="0" i="1" smtClean="0">
+                      <a:rPr lang="en-US" sz="4000" b="0" i="1" smtClean="0">
                         <a:latin typeface="Cambria Math" panose="02040503050406030204" pitchFamily="18" charset="0"/>
                       </a:rPr>
                       <m:t>+12</m:t>
                     </m:r>
                   </m:oMath>
                 </a14:m>
-                <a:endParaRPr lang="en-US" sz="3000" dirty="0"/>
+                <a:endParaRPr lang="en-US" sz="4000" dirty="0"/>
               </a:p>
               <a:p>
                 <a:endParaRPr lang="en-US" dirty="0"/>
@@ -3945,7 +3945,7 @@
             <p:spPr>
               <a:xfrm>
                 <a:off x="1334264" y="1608119"/>
-                <a:ext cx="5474159" cy="2017219"/>
+                <a:ext cx="5474159" cy="2194447"/>
               </a:xfrm>
               <a:prstGeom prst="rect">
                 <a:avLst/>
@@ -3953,7 +3953,7 @@
               <a:blipFill rotWithShape="0">
                 <a:blip r:embed="rId2"/>
                 <a:stretch>
-                  <a:fillRect l="-2895" t="-3625"/>
+                  <a:fillRect l="-2895" t="-3333"/>
                 </a:stretch>
               </a:blipFill>
             </p:spPr>
@@ -4019,14 +4019,27 @@
             <p:ph type="title"/>
           </p:nvPr>
         </p:nvSpPr>
-        <p:spPr/>
+        <p:spPr>
+          <a:xfrm>
+            <a:off x="1371600" y="685800"/>
+            <a:ext cx="10036098" cy="1485900"/>
+          </a:xfrm>
+        </p:spPr>
         <p:txBody>
           <a:bodyPr/>
           <a:lstStyle/>
           <a:p>
             <a:r>
               <a:rPr lang="en-US" dirty="0" smtClean="0"/>
-              <a:t>From last time… [15 minutes to finish]</a:t>
+              <a:t>From last time… [</a:t>
+            </a:r>
+            <a:r>
+              <a:rPr lang="en-US" dirty="0" smtClean="0"/>
+              <a:t>10ish </a:t>
+            </a:r>
+            <a:r>
+              <a:rPr lang="en-US" dirty="0" smtClean="0"/>
+              <a:t>minutes to finish]</a:t>
             </a:r>
             <a:endParaRPr lang="en-US" dirty="0"/>
           </a:p>
@@ -4059,15 +4072,7 @@
             </a:pPr>
             <a:r>
               <a:rPr lang="en-US" sz="3000" dirty="0" smtClean="0"/>
-              <a:t>Page </a:t>
-            </a:r>
-            <a:r>
-              <a:rPr lang="en-US" sz="3000" dirty="0" smtClean="0"/>
-              <a:t>22 #3, 15, 21, 25, 31, </a:t>
-            </a:r>
-            <a:r>
-              <a:rPr lang="en-US" sz="3000" dirty="0" smtClean="0"/>
-              <a:t>39</a:t>
+              <a:t>Page 22 #3, 15, 21, 25, 31, 39</a:t>
             </a:r>
           </a:p>
           <a:p>
@@ -4100,11 +4105,7 @@
             </a:pPr>
             <a:r>
               <a:rPr lang="en-US" sz="3000" dirty="0" smtClean="0"/>
-              <a:t>Page </a:t>
-            </a:r>
-            <a:r>
-              <a:rPr lang="en-US" sz="3000" dirty="0" smtClean="0"/>
-              <a:t>32 #72, 76, 78</a:t>
+              <a:t>Page 32 #72, 76, 78</a:t>
             </a:r>
           </a:p>
           <a:p>
@@ -4192,11 +4193,7 @@
           <a:p>
             <a:r>
               <a:rPr lang="en-US" dirty="0" smtClean="0"/>
-              <a:t>Day </a:t>
-            </a:r>
-            <a:r>
-              <a:rPr lang="en-US" dirty="0" smtClean="0"/>
-              <a:t>8</a:t>
+              <a:t>Day 8</a:t>
             </a:r>
             <a:endParaRPr lang="en-US" dirty="0"/>
           </a:p>
@@ -4312,11 +4309,7 @@
             </a:r>
             <a:r>
               <a:rPr lang="en-US" sz="3200" dirty="0" smtClean="0"/>
-              <a:t>To solve with &gt; , &lt; </a:t>
-            </a:r>
-            <a:r>
-              <a:rPr lang="en-US" sz="3200" dirty="0" smtClean="0"/>
-              <a:t>, </a:t>
+              <a:t>To solve with &gt; , &lt; , </a:t>
             </a:r>
             <a:r>
               <a:rPr lang="en-US" sz="3200" dirty="0" smtClean="0">
@@ -4338,7 +4331,6 @@
               <a:rPr lang="en-US" sz="3200" dirty="0" smtClean="0"/>
               <a:t> </a:t>
             </a:r>
-            <a:endParaRPr lang="en-US" sz="3200" dirty="0" smtClean="0"/>
           </a:p>
           <a:p>
             <a:pPr marL="0" indent="0">
@@ -4556,11 +4548,7 @@
           <a:p>
             <a:r>
               <a:rPr lang="en-US" sz="3000" i="1" dirty="0" smtClean="0"/>
-              <a:t>What does thi</a:t>
-            </a:r>
-            <a:r>
-              <a:rPr lang="en-US" sz="3000" i="1" dirty="0" smtClean="0"/>
-              <a:t>s graph look like now?</a:t>
+              <a:t>What does this graph look like now?</a:t>
             </a:r>
             <a:endParaRPr lang="en-US" sz="3000" i="1" dirty="0"/>
           </a:p>
@@ -4576,6 +4564,13 @@
   <p:clrMapOvr>
     <a:masterClrMapping/>
   </p:clrMapOvr>
+  <p:timing>
+    <p:tnLst>
+      <p:par>
+        <p:cTn id="1" dur="indefinite" restart="never" nodeType="tmRoot"/>
+      </p:par>
+    </p:tnLst>
+  </p:timing>
 </p:sld>
 </file>
 
@@ -4846,6 +4841,13 @@
   <p:clrMapOvr>
     <a:masterClrMapping/>
   </p:clrMapOvr>
+  <p:timing>
+    <p:tnLst>
+      <p:par>
+        <p:cTn id="1" dur="indefinite" restart="never" nodeType="tmRoot"/>
+      </p:par>
+    </p:tnLst>
+  </p:timing>
 </p:sld>
 </file>
 
@@ -4919,137 +4921,116 @@
               <a:buNone/>
             </a:pPr>
             <a:r>
-              <a:rPr lang="en-US" i="1" u="sng" dirty="0" smtClean="0"/>
+              <a:rPr lang="en-US" sz="3400" i="1" u="sng" dirty="0" smtClean="0"/>
               <a:t>Solve and Graph the Following</a:t>
             </a:r>
             <a:r>
-              <a:rPr lang="en-US" dirty="0" smtClean="0"/>
+              <a:rPr lang="en-US" sz="3400" dirty="0" smtClean="0"/>
               <a:t>: </a:t>
             </a:r>
-            <a:endParaRPr lang="en-US" dirty="0"/>
+            <a:endParaRPr lang="en-US" sz="3400" dirty="0"/>
           </a:p>
           <a:p>
             <a:pPr marL="0" indent="0">
               <a:buNone/>
             </a:pPr>
             <a:r>
-              <a:rPr lang="en-US" dirty="0"/>
+              <a:rPr lang="en-US" sz="3400" dirty="0"/>
               <a:t>1</a:t>
             </a:r>
             <a:r>
-              <a:rPr lang="en-US" dirty="0" smtClean="0"/>
-              <a:t>.)  </a:t>
-            </a:r>
-            <a:r>
-              <a:rPr lang="en-US" dirty="0" smtClean="0"/>
-              <a:t>5 </a:t>
-            </a:r>
-            <a:r>
-              <a:rPr lang="en-US" dirty="0"/>
+              <a:rPr lang="en-US" sz="3400" dirty="0" smtClean="0"/>
+              <a:t>.)  5 </a:t>
+            </a:r>
+            <a:r>
+              <a:rPr lang="en-US" sz="3400" dirty="0"/>
               <a:t>– 2x </a:t>
             </a:r>
             <a:r>
-              <a:rPr lang="en-US" dirty="0">
+              <a:rPr lang="en-US" sz="3400" dirty="0">
                 <a:sym typeface="Symbol" panose="05050102010706020507" pitchFamily="18" charset="2"/>
               </a:rPr>
               <a:t></a:t>
             </a:r>
             <a:r>
-              <a:rPr lang="en-US" dirty="0"/>
+              <a:rPr lang="en-US" sz="3400" dirty="0"/>
               <a:t> </a:t>
             </a:r>
             <a:r>
-              <a:rPr lang="en-US" dirty="0" smtClean="0"/>
-              <a:t>17</a:t>
-            </a:r>
-            <a:r>
-              <a:rPr lang="en-US" dirty="0" smtClean="0"/>
-              <a:t>           </a:t>
-            </a:r>
-            <a:r>
-              <a:rPr lang="en-US" dirty="0"/>
+              <a:rPr lang="en-US" sz="3400" dirty="0" smtClean="0"/>
+              <a:t>17           </a:t>
+            </a:r>
+            <a:r>
+              <a:rPr lang="en-US" sz="3400" dirty="0"/>
               <a:t>	</a:t>
             </a:r>
-            <a:endParaRPr lang="en-US" dirty="0" smtClean="0"/>
+            <a:endParaRPr lang="en-US" sz="3400" dirty="0" smtClean="0"/>
           </a:p>
           <a:p>
             <a:pPr marL="0" indent="0">
               <a:buNone/>
             </a:pPr>
-            <a:endParaRPr lang="en-US" dirty="0"/>
+            <a:endParaRPr lang="en-US" sz="3400" dirty="0"/>
           </a:p>
           <a:p>
             <a:pPr marL="0" indent="0">
               <a:buNone/>
             </a:pPr>
             <a:r>
-              <a:rPr lang="en-US" dirty="0"/>
-              <a:t>2.) </a:t>
-            </a:r>
-            <a:r>
-              <a:rPr lang="en-US" sz="2200" dirty="0" smtClean="0"/>
-              <a:t>	</a:t>
-            </a:r>
-            <a:r>
-              <a:rPr lang="en-US" sz="2200" dirty="0" smtClean="0"/>
-              <a:t>          or</a:t>
+              <a:rPr lang="en-US" sz="3400" dirty="0"/>
+              <a:t>2</a:t>
+            </a:r>
+            <a:r>
+              <a:rPr lang="en-US" sz="3400" dirty="0" smtClean="0"/>
+              <a:t>.)     </a:t>
+            </a:r>
+            <a:r>
+              <a:rPr lang="en-US" sz="3400" dirty="0" smtClean="0"/>
+              <a:t>	          or</a:t>
             </a:r>
           </a:p>
           <a:p>
             <a:pPr marL="0" indent="0">
               <a:buNone/>
             </a:pPr>
-            <a:endParaRPr lang="en-US" sz="2200" dirty="0"/>
+            <a:endParaRPr lang="en-US" sz="3400" dirty="0"/>
           </a:p>
           <a:p>
             <a:pPr marL="0" indent="0">
               <a:buNone/>
             </a:pPr>
             <a:r>
-              <a:rPr lang="en-US" dirty="0" smtClean="0"/>
-              <a:t>3</a:t>
-            </a:r>
-            <a:r>
-              <a:rPr lang="en-US" dirty="0" smtClean="0"/>
-              <a:t>.) </a:t>
-            </a:r>
-            <a:r>
-              <a:rPr lang="en-US" dirty="0" smtClean="0"/>
-              <a:t> </a:t>
-            </a:r>
-            <a:r>
-              <a:rPr lang="en-US" dirty="0" smtClean="0"/>
-              <a:t>1 </a:t>
-            </a:r>
-            <a:r>
-              <a:rPr lang="en-US" dirty="0">
+              <a:rPr lang="en-US" sz="3400" dirty="0" smtClean="0"/>
+              <a:t>3.)  1 </a:t>
+            </a:r>
+            <a:r>
+              <a:rPr lang="en-US" sz="3400" dirty="0">
                 <a:sym typeface="Symbol" panose="05050102010706020507" pitchFamily="18" charset="2"/>
               </a:rPr>
               <a:t></a:t>
             </a:r>
             <a:r>
-              <a:rPr lang="en-US" dirty="0"/>
+              <a:rPr lang="en-US" sz="3400" dirty="0"/>
               <a:t> </a:t>
             </a:r>
             <a:r>
-              <a:rPr lang="en-US" dirty="0" smtClean="0"/>
+              <a:rPr lang="en-US" sz="3400" dirty="0" smtClean="0"/>
               <a:t>2x – 5 </a:t>
             </a:r>
             <a:r>
-              <a:rPr lang="en-US" dirty="0" smtClean="0">
+              <a:rPr lang="en-US" sz="3400" dirty="0" smtClean="0">
                 <a:sym typeface="Symbol" panose="05050102010706020507" pitchFamily="18" charset="2"/>
               </a:rPr>
               <a:t></a:t>
             </a:r>
             <a:r>
-              <a:rPr lang="en-US" dirty="0" smtClean="0"/>
+              <a:rPr lang="en-US" sz="3400" dirty="0" smtClean="0"/>
               <a:t> </a:t>
             </a:r>
             <a:r>
-              <a:rPr lang="en-US" dirty="0"/>
+              <a:rPr lang="en-US" sz="3400" dirty="0"/>
               <a:t>7</a:t>
             </a:r>
-            <a:endParaRPr lang="en-US" dirty="0"/>
           </a:p>
         </p:txBody>
       </p:sp>
@@ -5125,20 +5106,20 @@
           <p:nvPr>
             <p:extLst>
               <p:ext uri="{D42A27DB-BD31-4B8C-83A1-F6EECF244321}">
-                <p14:modId xmlns:p14="http://schemas.microsoft.com/office/powerpoint/2010/main" val="3610035461"/>
+                <p14:modId xmlns:p14="http://schemas.microsoft.com/office/powerpoint/2010/main" val="1557406162"/>
               </p:ext>
             </p:extLst>
           </p:nvPr>
         </p:nvGraphicFramePr>
         <p:xfrm>
-          <a:off x="1518760" y="3264454"/>
-          <a:ext cx="1069396" cy="619124"/>
+          <a:off x="2024125" y="3752611"/>
+          <a:ext cx="1680652" cy="973009"/>
         </p:xfrm>
         <a:graphic>
           <a:graphicData uri="http://schemas.openxmlformats.org/presentationml/2006/ole">
             <mc:AlternateContent xmlns:mc="http://schemas.openxmlformats.org/markup-compatibility/2006">
               <mc:Choice xmlns:v="urn:schemas-microsoft-com:vml" Requires="v">
-                <p:oleObj spid="_x0000_s1040" r:id="rId3" imgW="685800" imgH="393700" progId="Equation.DSMT4">
+                <p:oleObj spid="_x0000_s1050" r:id="rId3" imgW="685800" imgH="393700" progId="Equation.DSMT4">
                   <p:embed/>
                 </p:oleObj>
               </mc:Choice>
@@ -5168,8 +5149,8 @@
                     </p:blipFill>
                     <p:spPr bwMode="auto">
                       <a:xfrm>
-                        <a:off x="1518760" y="3264454"/>
-                        <a:ext cx="1069396" cy="619124"/>
+                        <a:off x="2024125" y="3752611"/>
+                        <a:ext cx="1680652" cy="973009"/>
                       </a:xfrm>
                       <a:prstGeom prst="rect">
                         <a:avLst/>
@@ -5192,20 +5173,20 @@
           <p:nvPr>
             <p:extLst>
               <p:ext uri="{D42A27DB-BD31-4B8C-83A1-F6EECF244321}">
-                <p14:modId xmlns:p14="http://schemas.microsoft.com/office/powerpoint/2010/main" val="219922161"/>
+                <p14:modId xmlns:p14="http://schemas.microsoft.com/office/powerpoint/2010/main" val="464709975"/>
               </p:ext>
             </p:extLst>
           </p:nvPr>
         </p:nvGraphicFramePr>
         <p:xfrm>
-          <a:off x="3079394" y="3264454"/>
-          <a:ext cx="1098368" cy="605996"/>
+          <a:off x="4701379" y="3737651"/>
+          <a:ext cx="1793689" cy="989621"/>
         </p:xfrm>
         <a:graphic>
           <a:graphicData uri="http://schemas.openxmlformats.org/presentationml/2006/ole">
             <mc:AlternateContent xmlns:mc="http://schemas.openxmlformats.org/markup-compatibility/2006">
               <mc:Choice xmlns:v="urn:schemas-microsoft-com:vml" Requires="v">
-                <p:oleObj spid="_x0000_s1041" r:id="rId5" imgW="723900" imgH="393700" progId="Equation.DSMT4">
+                <p:oleObj spid="_x0000_s1051" r:id="rId5" imgW="723900" imgH="393700" progId="Equation.DSMT4">
                   <p:embed/>
                 </p:oleObj>
               </mc:Choice>
@@ -5235,8 +5216,8 @@
                     </p:blipFill>
                     <p:spPr bwMode="auto">
                       <a:xfrm>
-                        <a:off x="3079394" y="3264454"/>
-                        <a:ext cx="1098368" cy="605996"/>
+                        <a:off x="4701379" y="3737651"/>
+                        <a:ext cx="1793689" cy="989621"/>
                       </a:xfrm>
                       <a:prstGeom prst="rect">
                         <a:avLst/>
@@ -5362,6 +5343,13 @@
   <p:clrMapOvr>
     <a:masterClrMapping/>
   </p:clrMapOvr>
+  <p:timing>
+    <p:tnLst>
+      <p:par>
+        <p:cTn id="1" dur="indefinite" restart="never" nodeType="tmRoot"/>
+      </p:par>
+    </p:tnLst>
+  </p:timing>
 </p:sld>
 </file>
 
@@ -5428,12 +5416,8 @@
           <a:lstStyle/>
           <a:p>
             <a:r>
-              <a:rPr lang="en-US" sz="2400" dirty="0" smtClean="0"/>
-              <a:t>How would you describe the differenc</a:t>
-            </a:r>
-            <a:r>
-              <a:rPr lang="en-US" sz="2400" dirty="0" smtClean="0"/>
-              <a:t>e in your solution if there is a </a:t>
+              <a:rPr lang="en-US" sz="3400" dirty="0" smtClean="0"/>
+              <a:t>How would you describe the difference in your solution if there is a </a:t>
             </a:r>
           </a:p>
           <a:p>
@@ -5441,56 +5425,54 @@
               <a:buNone/>
             </a:pPr>
             <a:r>
-              <a:rPr lang="en-US" sz="2400" dirty="0"/>
+              <a:rPr lang="en-US" sz="3400" dirty="0"/>
               <a:t> </a:t>
             </a:r>
             <a:r>
-              <a:rPr lang="en-US" sz="2400" dirty="0" smtClean="0"/>
+              <a:rPr lang="en-US" sz="3400" dirty="0" smtClean="0"/>
               <a:t>     &gt; </a:t>
             </a:r>
             <a:r>
-              <a:rPr lang="en-US" sz="2400" dirty="0"/>
+              <a:rPr lang="en-US" sz="3400" dirty="0"/>
               <a:t>, &lt; </a:t>
             </a:r>
             <a:r>
-              <a:rPr lang="en-US" sz="2400" dirty="0" smtClean="0"/>
+              <a:rPr lang="en-US" sz="3400" dirty="0" smtClean="0"/>
               <a:t>compared to a  </a:t>
             </a:r>
             <a:r>
-              <a:rPr lang="en-US" sz="2400" dirty="0">
+              <a:rPr lang="en-US" sz="3400" dirty="0">
                 <a:sym typeface="Symbol" panose="05050102010706020507" pitchFamily="18" charset="2"/>
               </a:rPr>
               <a:t> </a:t>
             </a:r>
             <a:r>
-              <a:rPr lang="en-US" sz="2400" dirty="0" smtClean="0"/>
+              <a:rPr lang="en-US" sz="3400" dirty="0" smtClean="0"/>
               <a:t>, </a:t>
             </a:r>
             <a:r>
-              <a:rPr lang="en-US" sz="2400" dirty="0">
+              <a:rPr lang="en-US" sz="3400" dirty="0">
                 <a:sym typeface="Symbol" panose="05050102010706020507" pitchFamily="18" charset="2"/>
               </a:rPr>
               <a:t></a:t>
             </a:r>
             <a:r>
-              <a:rPr lang="en-US" sz="2400" dirty="0"/>
+              <a:rPr lang="en-US" sz="3400" dirty="0"/>
               <a:t> </a:t>
             </a:r>
             <a:r>
-              <a:rPr lang="en-US" sz="2400" dirty="0" smtClean="0"/>
+              <a:rPr lang="en-US" sz="3400" dirty="0" smtClean="0"/>
               <a:t>?</a:t>
             </a:r>
-            <a:endParaRPr lang="en-US" sz="2400" dirty="0" smtClean="0"/>
-          </a:p>
-          <a:p>
-            <a:endParaRPr lang="en-US" sz="2400" dirty="0"/>
-          </a:p>
-          <a:p>
-            <a:r>
-              <a:rPr lang="en-US" sz="2400" dirty="0" smtClean="0"/>
+          </a:p>
+          <a:p>
+            <a:endParaRPr lang="en-US" sz="3400" dirty="0"/>
+          </a:p>
+          <a:p>
+            <a:r>
+              <a:rPr lang="en-US" sz="3400" dirty="0" smtClean="0"/>
               <a:t>How does your answer change if there are multiple inequalities instead of just one in the problem? </a:t>
             </a:r>
-            <a:endParaRPr lang="en-US" sz="2400" dirty="0" smtClean="0"/>
           </a:p>
           <a:p>
             <a:endParaRPr lang="en-US" sz="2400" dirty="0"/>
@@ -5513,6 +5495,13 @@
   <p:clrMapOvr>
     <a:masterClrMapping/>
   </p:clrMapOvr>
+  <p:timing>
+    <p:tnLst>
+      <p:par>
+        <p:cTn id="1" dur="indefinite" restart="never" nodeType="tmRoot"/>
+      </p:par>
+    </p:tnLst>
+  </p:timing>
 </p:sld>
 </file>
 
@@ -5577,7 +5566,7 @@
               <a:buNone/>
             </a:pPr>
             <a:r>
-              <a:rPr lang="en-US" sz="3000" dirty="0" smtClean="0"/>
+              <a:rPr lang="en-US" sz="3400" dirty="0" smtClean="0"/>
               <a:t>From Today</a:t>
             </a:r>
           </a:p>
@@ -5586,23 +5575,23 @@
               <a:buNone/>
             </a:pPr>
             <a:r>
-              <a:rPr lang="en-US" sz="3000" dirty="0" smtClean="0"/>
+              <a:rPr lang="en-US" sz="3400" dirty="0" smtClean="0"/>
               <a:t>Page 37-38 </a:t>
             </a:r>
             <a:r>
-              <a:rPr lang="en-US" sz="3000" dirty="0"/>
+              <a:rPr lang="en-US" sz="3400" dirty="0"/>
               <a:t>#3-5, </a:t>
             </a:r>
             <a:r>
-              <a:rPr lang="en-US" sz="3000" dirty="0" smtClean="0"/>
+              <a:rPr lang="en-US" sz="3400" dirty="0" smtClean="0"/>
               <a:t>10, </a:t>
             </a:r>
             <a:r>
-              <a:rPr lang="en-US" sz="3000" dirty="0"/>
+              <a:rPr lang="en-US" sz="3400" dirty="0"/>
               <a:t>27, </a:t>
             </a:r>
             <a:r>
-              <a:rPr lang="en-US" sz="3000" dirty="0" smtClean="0"/>
+              <a:rPr lang="en-US" sz="3400" dirty="0" smtClean="0"/>
               <a:t>31, 35, 44</a:t>
             </a:r>
           </a:p>
@@ -5610,14 +5599,14 @@
             <a:pPr marL="0" indent="0">
               <a:buNone/>
             </a:pPr>
-            <a:endParaRPr lang="en-US" sz="3000" dirty="0"/>
+            <a:endParaRPr lang="en-US" sz="3400" dirty="0"/>
           </a:p>
           <a:p>
             <a:pPr marL="0" indent="0">
               <a:buNone/>
             </a:pPr>
             <a:r>
-              <a:rPr lang="en-US" sz="3000" dirty="0" smtClean="0"/>
+              <a:rPr lang="en-US" sz="3400" dirty="0" smtClean="0"/>
               <a:t>Mixed Review</a:t>
             </a:r>
           </a:p>
@@ -5626,10 +5615,10 @@
               <a:buNone/>
             </a:pPr>
             <a:r>
-              <a:rPr lang="en-US" sz="3000" smtClean="0"/>
+              <a:rPr lang="en-US" sz="3400" dirty="0" smtClean="0"/>
               <a:t>Page 40 #72, 75, 78</a:t>
             </a:r>
-            <a:endParaRPr lang="en-US" sz="3000" dirty="0"/>
+            <a:endParaRPr lang="en-US" sz="3400" dirty="0"/>
           </a:p>
         </p:txBody>
       </p:sp>
@@ -5643,6 +5632,13 @@
   <p:clrMapOvr>
     <a:masterClrMapping/>
   </p:clrMapOvr>
+  <p:timing>
+    <p:tnLst>
+      <p:par>
+        <p:cTn id="1" dur="indefinite" restart="never" nodeType="tmRoot"/>
+      </p:par>
+    </p:tnLst>
+  </p:timing>
 </p:sld>
 </file>
 
